--- a/DevOpsPipeline.pptx
+++ b/DevOpsPipeline.pptx
@@ -5609,7 +5609,7 @@
             </a:pPr>
             <a:r>
               <a:rPr lang="en-US" sz="1000" dirty="0"/>
-              <a:t>Scan Application Code or OS Change</a:t>
+              <a:t>Scan Application Code or OS Change using Prisma Tool</a:t>
             </a:r>
             <a:endParaRPr sz="1000" dirty="0"/>
           </a:p>
@@ -6055,7 +6055,7 @@
             </a:pPr>
             <a:r>
               <a:rPr lang="en-US" sz="1000" dirty="0"/>
-              <a:t>Infrastructure code Scanning </a:t>
+              <a:t>Infrastructure code Scanning using Regula Tool </a:t>
             </a:r>
             <a:endParaRPr sz="1000" dirty="0"/>
           </a:p>
@@ -6109,8 +6109,8 @@
         </p:nvSpPr>
         <p:spPr>
           <a:xfrm>
-            <a:off x="6984425" y="3538025"/>
-            <a:ext cx="1308000" cy="597600"/>
+            <a:off x="6984425" y="3538024"/>
+            <a:ext cx="1487248" cy="713935"/>
           </a:xfrm>
           <a:prstGeom prst="rect">
             <a:avLst/>
@@ -6139,7 +6139,7 @@
             </a:pPr>
             <a:r>
               <a:rPr lang="en-US" sz="1000" dirty="0"/>
-              <a:t>Scan for Cloud Configuration Vulnerability</a:t>
+              <a:t>Scan for Cloud Configuration Vulnerability using Aws Config</a:t>
             </a:r>
             <a:endParaRPr sz="1000" dirty="0"/>
           </a:p>
